--- a/images/logoRobin.pptx
+++ b/images/logoRobin.pptx
@@ -106,7 +106,7 @@
   </p:defaultTextStyle>
   <p:extLst>
     <p:ext uri="{EFAFB233-063F-42B5-8137-9DF3F51BA10A}">
-      <p15:sldGuideLst xmlns:p15="http://schemas.microsoft.com/office/powerpoint/2012/main"/>
+      <p15:sldGuideLst xmlns:p15="http://schemas.microsoft.com/office/powerpoint/2012/main" xmlns=""/>
     </p:ext>
   </p:extLst>
 </p:presentation>
@@ -243,7 +243,7 @@
           <a:p>
             <a:fld id="{A2516F3C-E77E-4A6B-A95B-B5708C524CA7}" type="datetimeFigureOut">
               <a:rPr lang="en-GB" smtClean="0"/>
-              <a:t>25/09/2019</a:t>
+              <a:t>22/10/2019</a:t>
             </a:fld>
             <a:endParaRPr lang="en-GB"/>
           </a:p>
@@ -413,7 +413,7 @@
           <a:p>
             <a:fld id="{A2516F3C-E77E-4A6B-A95B-B5708C524CA7}" type="datetimeFigureOut">
               <a:rPr lang="en-GB" smtClean="0"/>
-              <a:t>25/09/2019</a:t>
+              <a:t>22/10/2019</a:t>
             </a:fld>
             <a:endParaRPr lang="en-GB"/>
           </a:p>
@@ -593,7 +593,7 @@
           <a:p>
             <a:fld id="{A2516F3C-E77E-4A6B-A95B-B5708C524CA7}" type="datetimeFigureOut">
               <a:rPr lang="en-GB" smtClean="0"/>
-              <a:t>25/09/2019</a:t>
+              <a:t>22/10/2019</a:t>
             </a:fld>
             <a:endParaRPr lang="en-GB"/>
           </a:p>
@@ -763,7 +763,7 @@
           <a:p>
             <a:fld id="{A2516F3C-E77E-4A6B-A95B-B5708C524CA7}" type="datetimeFigureOut">
               <a:rPr lang="en-GB" smtClean="0"/>
-              <a:t>25/09/2019</a:t>
+              <a:t>22/10/2019</a:t>
             </a:fld>
             <a:endParaRPr lang="en-GB"/>
           </a:p>
@@ -1009,7 +1009,7 @@
           <a:p>
             <a:fld id="{A2516F3C-E77E-4A6B-A95B-B5708C524CA7}" type="datetimeFigureOut">
               <a:rPr lang="en-GB" smtClean="0"/>
-              <a:t>25/09/2019</a:t>
+              <a:t>22/10/2019</a:t>
             </a:fld>
             <a:endParaRPr lang="en-GB"/>
           </a:p>
@@ -1241,7 +1241,7 @@
           <a:p>
             <a:fld id="{A2516F3C-E77E-4A6B-A95B-B5708C524CA7}" type="datetimeFigureOut">
               <a:rPr lang="en-GB" smtClean="0"/>
-              <a:t>25/09/2019</a:t>
+              <a:t>22/10/2019</a:t>
             </a:fld>
             <a:endParaRPr lang="en-GB"/>
           </a:p>
@@ -1608,7 +1608,7 @@
           <a:p>
             <a:fld id="{A2516F3C-E77E-4A6B-A95B-B5708C524CA7}" type="datetimeFigureOut">
               <a:rPr lang="en-GB" smtClean="0"/>
-              <a:t>25/09/2019</a:t>
+              <a:t>22/10/2019</a:t>
             </a:fld>
             <a:endParaRPr lang="en-GB"/>
           </a:p>
@@ -1726,7 +1726,7 @@
           <a:p>
             <a:fld id="{A2516F3C-E77E-4A6B-A95B-B5708C524CA7}" type="datetimeFigureOut">
               <a:rPr lang="en-GB" smtClean="0"/>
-              <a:t>25/09/2019</a:t>
+              <a:t>22/10/2019</a:t>
             </a:fld>
             <a:endParaRPr lang="en-GB"/>
           </a:p>
@@ -1821,7 +1821,7 @@
           <a:p>
             <a:fld id="{A2516F3C-E77E-4A6B-A95B-B5708C524CA7}" type="datetimeFigureOut">
               <a:rPr lang="en-GB" smtClean="0"/>
-              <a:t>25/09/2019</a:t>
+              <a:t>22/10/2019</a:t>
             </a:fld>
             <a:endParaRPr lang="en-GB"/>
           </a:p>
@@ -2098,7 +2098,7 @@
           <a:p>
             <a:fld id="{A2516F3C-E77E-4A6B-A95B-B5708C524CA7}" type="datetimeFigureOut">
               <a:rPr lang="en-GB" smtClean="0"/>
-              <a:t>25/09/2019</a:t>
+              <a:t>22/10/2019</a:t>
             </a:fld>
             <a:endParaRPr lang="en-GB"/>
           </a:p>
@@ -2351,7 +2351,7 @@
           <a:p>
             <a:fld id="{A2516F3C-E77E-4A6B-A95B-B5708C524CA7}" type="datetimeFigureOut">
               <a:rPr lang="en-GB" smtClean="0"/>
-              <a:t>25/09/2019</a:t>
+              <a:t>22/10/2019</a:t>
             </a:fld>
             <a:endParaRPr lang="en-GB"/>
           </a:p>
@@ -2564,7 +2564,7 @@
           <a:p>
             <a:fld id="{A2516F3C-E77E-4A6B-A95B-B5708C524CA7}" type="datetimeFigureOut">
               <a:rPr lang="en-GB" smtClean="0"/>
-              <a:t>25/09/2019</a:t>
+              <a:t>22/10/2019</a:t>
             </a:fld>
             <a:endParaRPr lang="en-GB"/>
           </a:p>
@@ -2971,16 +2971,16 @@
       </p:grpSpPr>
       <p:grpSp>
         <p:nvGrpSpPr>
-          <p:cNvPr id="9" name="Gruppo 8"/>
+          <p:cNvPr id="2" name="Gruppo 1"/>
           <p:cNvGrpSpPr/>
           <p:nvPr/>
         </p:nvGrpSpPr>
         <p:grpSpPr>
           <a:xfrm>
-            <a:off x="4275910" y="1976846"/>
-            <a:ext cx="1767713" cy="1741714"/>
-            <a:chOff x="4423952" y="2124894"/>
-            <a:chExt cx="1618195" cy="1619794"/>
+            <a:off x="4381351" y="1932883"/>
+            <a:ext cx="2376119" cy="2553590"/>
+            <a:chOff x="4381351" y="1932883"/>
+            <a:chExt cx="2376119" cy="2553590"/>
           </a:xfrm>
         </p:grpSpPr>
         <p:grpSp>
@@ -2991,8 +2991,8 @@
           </p:nvGrpSpPr>
           <p:grpSpPr>
             <a:xfrm rot="5400000">
-              <a:off x="4306386" y="2242460"/>
-              <a:ext cx="1619794" cy="1384662"/>
+              <a:off x="4280412" y="2033822"/>
+              <a:ext cx="2553590" cy="2351712"/>
               <a:chOff x="771023" y="1813487"/>
               <a:chExt cx="1236616" cy="1072196"/>
             </a:xfrm>
@@ -3013,9 +3013,7 @@
               </a:prstGeom>
               <a:ln w="76200">
                 <a:solidFill>
-                  <a:schemeClr val="accent1">
-                    <a:lumMod val="50000"/>
-                  </a:schemeClr>
+                  <a:srgbClr val="002060"/>
                 </a:solidFill>
               </a:ln>
             </p:spPr>
@@ -3038,7 +3036,16 @@
               <a:lstStyle/>
               <a:p>
                 <a:pPr algn="ctr"/>
-                <a:endParaRPr lang="en-GB" dirty="0"/>
+                <a:endParaRPr lang="en-GB" dirty="0">
+                  <a:ln>
+                    <a:solidFill>
+                      <a:schemeClr val="tx1"/>
+                    </a:solidFill>
+                  </a:ln>
+                  <a:solidFill>
+                    <a:schemeClr val="tx1"/>
+                  </a:solidFill>
+                </a:endParaRPr>
               </a:p>
             </p:txBody>
           </p:sp>
@@ -3057,13 +3064,13 @@
                     <a14:imgProps xmlns:a14="http://schemas.microsoft.com/office/drawing/2010/main">
                       <a14:imgLayer r:embed="rId3">
                         <a14:imgEffect>
-                          <a14:sharpenSoften amount="50000"/>
+                          <a14:sharpenSoften amount="93000"/>
                         </a14:imgEffect>
                         <a14:imgEffect>
-                          <a14:saturation sat="400000"/>
+                          <a14:saturation sat="300000"/>
                         </a14:imgEffect>
                         <a14:imgEffect>
-                          <a14:brightnessContrast contrast="-40000"/>
+                          <a14:brightnessContrast bright="-3000" contrast="-16000"/>
                         </a14:imgEffect>
                       </a14:imgLayer>
                     </a14:imgProps>
@@ -3078,7 +3085,7 @@
             </p:blipFill>
             <p:spPr bwMode="auto">
               <a:xfrm rot="16200000">
-                <a:off x="1049510" y="2112145"/>
+                <a:off x="1089770" y="2105828"/>
                 <a:ext cx="788234" cy="474879"/>
               </a:xfrm>
               <a:prstGeom prst="roundRect">
@@ -3104,14 +3111,14 @@
         </p:grpSp>
         <p:sp>
           <p:nvSpPr>
-            <p:cNvPr id="8" name="CasellaDiTesto 7"/>
+            <p:cNvPr id="10" name="CasellaDiTesto 7"/>
             <p:cNvSpPr txBox="1"/>
             <p:nvPr/>
           </p:nvSpPr>
           <p:spPr>
-            <a:xfrm rot="1398988">
-              <a:off x="5069588" y="2309847"/>
-              <a:ext cx="972559" cy="400110"/>
+            <a:xfrm>
+              <a:off x="4717175" y="2126847"/>
+              <a:ext cx="2040295" cy="923330"/>
             </a:xfrm>
             <a:prstGeom prst="rect">
               <a:avLst/>
@@ -3122,12 +3129,106 @@
             <a:bodyPr wrap="square" rtlCol="0">
               <a:spAutoFit/>
             </a:bodyPr>
-            <a:lstStyle/>
+            <a:lstStyle>
+              <a:defPPr>
+                <a:defRPr lang="it-IT"/>
+              </a:defPPr>
+              <a:lvl1pPr marL="0" algn="l" defTabSz="914400" rtl="0" eaLnBrk="1" latinLnBrk="0" hangingPunct="1">
+                <a:defRPr sz="1800" kern="1200">
+                  <a:solidFill>
+                    <a:schemeClr val="tx1"/>
+                  </a:solidFill>
+                  <a:latin typeface="+mn-lt"/>
+                  <a:ea typeface="+mn-ea"/>
+                  <a:cs typeface="+mn-cs"/>
+                </a:defRPr>
+              </a:lvl1pPr>
+              <a:lvl2pPr marL="457200" algn="l" defTabSz="914400" rtl="0" eaLnBrk="1" latinLnBrk="0" hangingPunct="1">
+                <a:defRPr sz="1800" kern="1200">
+                  <a:solidFill>
+                    <a:schemeClr val="tx1"/>
+                  </a:solidFill>
+                  <a:latin typeface="+mn-lt"/>
+                  <a:ea typeface="+mn-ea"/>
+                  <a:cs typeface="+mn-cs"/>
+                </a:defRPr>
+              </a:lvl2pPr>
+              <a:lvl3pPr marL="914400" algn="l" defTabSz="914400" rtl="0" eaLnBrk="1" latinLnBrk="0" hangingPunct="1">
+                <a:defRPr sz="1800" kern="1200">
+                  <a:solidFill>
+                    <a:schemeClr val="tx1"/>
+                  </a:solidFill>
+                  <a:latin typeface="+mn-lt"/>
+                  <a:ea typeface="+mn-ea"/>
+                  <a:cs typeface="+mn-cs"/>
+                </a:defRPr>
+              </a:lvl3pPr>
+              <a:lvl4pPr marL="1371600" algn="l" defTabSz="914400" rtl="0" eaLnBrk="1" latinLnBrk="0" hangingPunct="1">
+                <a:defRPr sz="1800" kern="1200">
+                  <a:solidFill>
+                    <a:schemeClr val="tx1"/>
+                  </a:solidFill>
+                  <a:latin typeface="+mn-lt"/>
+                  <a:ea typeface="+mn-ea"/>
+                  <a:cs typeface="+mn-cs"/>
+                </a:defRPr>
+              </a:lvl4pPr>
+              <a:lvl5pPr marL="1828800" algn="l" defTabSz="914400" rtl="0" eaLnBrk="1" latinLnBrk="0" hangingPunct="1">
+                <a:defRPr sz="1800" kern="1200">
+                  <a:solidFill>
+                    <a:schemeClr val="tx1"/>
+                  </a:solidFill>
+                  <a:latin typeface="+mn-lt"/>
+                  <a:ea typeface="+mn-ea"/>
+                  <a:cs typeface="+mn-cs"/>
+                </a:defRPr>
+              </a:lvl5pPr>
+              <a:lvl6pPr marL="2286000" algn="l" defTabSz="914400" rtl="0" eaLnBrk="1" latinLnBrk="0" hangingPunct="1">
+                <a:defRPr sz="1800" kern="1200">
+                  <a:solidFill>
+                    <a:schemeClr val="tx1"/>
+                  </a:solidFill>
+                  <a:latin typeface="+mn-lt"/>
+                  <a:ea typeface="+mn-ea"/>
+                  <a:cs typeface="+mn-cs"/>
+                </a:defRPr>
+              </a:lvl6pPr>
+              <a:lvl7pPr marL="2743200" algn="l" defTabSz="914400" rtl="0" eaLnBrk="1" latinLnBrk="0" hangingPunct="1">
+                <a:defRPr sz="1800" kern="1200">
+                  <a:solidFill>
+                    <a:schemeClr val="tx1"/>
+                  </a:solidFill>
+                  <a:latin typeface="+mn-lt"/>
+                  <a:ea typeface="+mn-ea"/>
+                  <a:cs typeface="+mn-cs"/>
+                </a:defRPr>
+              </a:lvl7pPr>
+              <a:lvl8pPr marL="3200400" algn="l" defTabSz="914400" rtl="0" eaLnBrk="1" latinLnBrk="0" hangingPunct="1">
+                <a:defRPr sz="1800" kern="1200">
+                  <a:solidFill>
+                    <a:schemeClr val="tx1"/>
+                  </a:solidFill>
+                  <a:latin typeface="+mn-lt"/>
+                  <a:ea typeface="+mn-ea"/>
+                  <a:cs typeface="+mn-cs"/>
+                </a:defRPr>
+              </a:lvl8pPr>
+              <a:lvl9pPr marL="3657600" algn="l" defTabSz="914400" rtl="0" eaLnBrk="1" latinLnBrk="0" hangingPunct="1">
+                <a:defRPr sz="1800" kern="1200">
+                  <a:solidFill>
+                    <a:schemeClr val="tx1"/>
+                  </a:solidFill>
+                  <a:latin typeface="+mn-lt"/>
+                  <a:ea typeface="+mn-ea"/>
+                  <a:cs typeface="+mn-cs"/>
+                </a:defRPr>
+              </a:lvl9pPr>
+            </a:lstStyle>
             <a:p>
               <a:r>
-                <a:rPr lang="en-GB" sz="2000" dirty="0">
+                <a:rPr lang="en-GB" sz="5400" dirty="0">
                   <a:solidFill>
-                    <a:schemeClr val="bg1"/>
+                    <a:srgbClr val="002060"/>
                   </a:solidFill>
                   <a:effectLst>
                     <a:outerShdw blurRad="38100" dist="38100" dir="2700000" algn="tl">
@@ -3140,9 +3241,9 @@
                 <a:t>r</a:t>
               </a:r>
               <a:r>
-                <a:rPr lang="en-GB" sz="2000" dirty="0" smtClean="0">
+                <a:rPr lang="en-GB" sz="5400" dirty="0" smtClean="0">
                   <a:solidFill>
-                    <a:schemeClr val="bg1"/>
+                    <a:srgbClr val="002060"/>
                   </a:solidFill>
                   <a:effectLst>
                     <a:outerShdw blurRad="38100" dist="38100" dir="2700000" algn="tl">
@@ -3154,9 +3255,9 @@
                 </a:rPr>
                 <a:t>obin</a:t>
               </a:r>
-              <a:endParaRPr lang="en-GB" sz="2000" dirty="0">
+              <a:endParaRPr lang="en-GB" sz="5400" dirty="0">
                 <a:solidFill>
-                  <a:schemeClr val="bg1"/>
+                  <a:srgbClr val="002060"/>
                 </a:solidFill>
                 <a:effectLst>
                   <a:outerShdw blurRad="38100" dist="38100" dir="2700000" algn="tl">
@@ -3445,7 +3546,7 @@
   <a:extraClrSchemeLst/>
   <a:extLst>
     <a:ext uri="{05A4C25C-085E-4340-85A3-A5531E510DB2}">
-      <thm15:themeFamily xmlns:thm15="http://schemas.microsoft.com/office/thememl/2012/main" name="Office Theme" id="{62F939B6-93AF-4DB8-9C6B-D6C7DFDC589F}" vid="{4A3C46E8-61CC-4603-A589-7422A47A8E4A}"/>
+      <thm15:themeFamily xmlns:thm15="http://schemas.microsoft.com/office/thememl/2012/main" xmlns="" name="Office Theme" id="{62F939B6-93AF-4DB8-9C6B-D6C7DFDC589F}" vid="{4A3C46E8-61CC-4603-A589-7422A47A8E4A}"/>
     </a:ext>
   </a:extLst>
 </a:theme>
